--- a/projeto dam/Projet Banco de Dados[1].pptx
+++ b/projeto dam/Projet Banco de Dados[1].pptx
@@ -13196,12 +13196,12 @@
               <a:buNone/>
             </a:pPr>
             <a:r>
-              <a:rPr lang="en-US" sz="2399" dirty="0">
+              <a:rPr lang="pt-BR" sz="2399" dirty="0">
                 <a:solidFill>
                   <a:srgbClr val="FFFFFF"/>
                 </a:solidFill>
               </a:rPr>
-              <a:t>3</a:t>
+              <a:t>2</a:t>
             </a:r>
             <a:endParaRPr dirty="0"/>
           </a:p>
@@ -13393,7 +13393,7 @@
                     </a:schemeClr>
                   </a:solidFill>
                 </a:rPr>
-                <a:t>4</a:t>
+                <a:t>3</a:t>
               </a:r>
               <a:endParaRPr sz="1800" dirty="0">
                 <a:solidFill>
@@ -14107,7 +14107,7 @@
                     <a:schemeClr val="bg1"/>
                   </a:solidFill>
                 </a:rPr>
-                <a:t>4</a:t>
+                <a:t>5</a:t>
               </a:r>
               <a:endParaRPr lang="pt-BR" dirty="0">
                 <a:solidFill>
@@ -14449,7 +14449,7 @@
                     <a:schemeClr val="bg1"/>
                   </a:solidFill>
                 </a:rPr>
-                <a:t>4</a:t>
+                <a:t>6</a:t>
               </a:r>
               <a:endParaRPr lang="pt-BR" dirty="0">
                 <a:solidFill>
@@ -14762,7 +14762,7 @@
                     <a:schemeClr val="bg1"/>
                   </a:solidFill>
                 </a:rPr>
-                <a:t>4</a:t>
+                <a:t>7</a:t>
               </a:r>
               <a:endParaRPr lang="pt-BR" dirty="0">
                 <a:solidFill>
@@ -15124,7 +15124,7 @@
                     <a:schemeClr val="bg1"/>
                   </a:solidFill>
                 </a:rPr>
-                <a:t>4</a:t>
+                <a:t>8</a:t>
               </a:r>
               <a:endParaRPr lang="pt-BR" dirty="0">
                 <a:solidFill>
